--- a/DOCUMENTACION DE MASTER BARBER/ENTREGABLES 4/Entregables 4.pptx
+++ b/DOCUMENTACION DE MASTER BARBER/ENTREGABLES 4/Entregables 4.pptx
@@ -5,33 +5,31 @@
     <p:sldMasterId id="2147483648" r:id="rId1"/>
   </p:sldMasterIdLst>
   <p:notesMasterIdLst>
-    <p:notesMasterId r:id="rId9"/>
+    <p:notesMasterId r:id="rId7"/>
   </p:notesMasterIdLst>
   <p:sldIdLst>
     <p:sldId id="256" r:id="rId2"/>
     <p:sldId id="257" r:id="rId3"/>
     <p:sldId id="298" r:id="rId4"/>
-    <p:sldId id="299" r:id="rId5"/>
-    <p:sldId id="268" r:id="rId6"/>
-    <p:sldId id="267" r:id="rId7"/>
-    <p:sldId id="284" r:id="rId8"/>
+    <p:sldId id="267" r:id="rId5"/>
+    <p:sldId id="284" r:id="rId6"/>
   </p:sldIdLst>
   <p:sldSz cx="12192000" cy="6858000"/>
   <p:notesSz cx="6858000" cy="9144000"/>
   <p:embeddedFontLst>
     <p:embeddedFont>
       <p:font typeface="Work Sans" pitchFamily="2" charset="0"/>
-      <p:regular r:id="rId10"/>
-      <p:bold r:id="rId11"/>
-      <p:italic r:id="rId12"/>
-      <p:boldItalic r:id="rId13"/>
+      <p:regular r:id="rId8"/>
+      <p:bold r:id="rId9"/>
+      <p:italic r:id="rId10"/>
+      <p:boldItalic r:id="rId11"/>
     </p:embeddedFont>
     <p:embeddedFont>
       <p:font typeface="Work Sans Medium" pitchFamily="2" charset="0"/>
-      <p:regular r:id="rId14"/>
-      <p:bold r:id="rId15"/>
-      <p:italic r:id="rId16"/>
-      <p:boldItalic r:id="rId17"/>
+      <p:regular r:id="rId12"/>
+      <p:bold r:id="rId13"/>
+      <p:italic r:id="rId14"/>
+      <p:boldItalic r:id="rId15"/>
     </p:embeddedFont>
   </p:embeddedFontLst>
   <p:defaultTextStyle>
@@ -284,7 +282,7 @@
       </p15:sldGuideLst>
     </p:ext>
     <p:ext uri="GoogleSlidesCustomDataVersion2">
-      <go:slidesCustomData xmlns:go="http://customooxmlschemas.google.com/" xmlns:ahyp="http://schemas.microsoft.com/office/drawing/2018/hyperlinkcolor" xmlns:p15="http://schemas.microsoft.com/office/powerpoint/2012/main" xmlns:p14="http://schemas.microsoft.com/office/powerpoint/2010/main" xmlns:com="http://schemas.openxmlformats.org/drawingml/2006/compatibility" xmlns:pvml="urn:schemas-microsoft-com:office:powerpoint" xmlns:v="urn:schemas-microsoft-com:vml" xmlns:o="urn:schemas-microsoft-com:office:office" xmlns:dgm="http://schemas.openxmlformats.org/drawingml/2006/diagram" xmlns:c="http://schemas.openxmlformats.org/drawingml/2006/chart" xmlns:mv="urn:schemas-microsoft-com:mac:vml" xmlns:mc="http://schemas.openxmlformats.org/markup-compatibility/2006" xmlns="" r:id="rId47" roundtripDataSignature="AMtx7mi7HwvW2x/uPdzjakfDI4jAB7LRKg=="/>
+      <go:slidesCustomData xmlns="" xmlns:mc="http://schemas.openxmlformats.org/markup-compatibility/2006" xmlns:mv="urn:schemas-microsoft-com:mac:vml" xmlns:c="http://schemas.openxmlformats.org/drawingml/2006/chart" xmlns:dgm="http://schemas.openxmlformats.org/drawingml/2006/diagram" xmlns:o="urn:schemas-microsoft-com:office:office" xmlns:v="urn:schemas-microsoft-com:vml" xmlns:pvml="urn:schemas-microsoft-com:office:powerpoint" xmlns:com="http://schemas.openxmlformats.org/drawingml/2006/compatibility" xmlns:p14="http://schemas.microsoft.com/office/powerpoint/2010/main" xmlns:p15="http://schemas.microsoft.com/office/powerpoint/2012/main" xmlns:ahyp="http://schemas.microsoft.com/office/drawing/2018/hyperlinkcolor" xmlns:go="http://customooxmlschemas.google.com/" r:id="rId47" roundtripDataSignature="AMtx7mi7HwvW2x/uPdzjakfDI4jAB7LRKg=="/>
     </p:ext>
   </p:extLst>
 </p:presentation>
@@ -1800,237 +1798,6 @@
   <p:cSld>
     <p:spTree>
       <p:nvGrpSpPr>
-        <p:cNvPr id="1" name="Shape 168">
-          <a:extLst>
-            <a:ext uri="{FF2B5EF4-FFF2-40B4-BE49-F238E27FC236}">
-              <a16:creationId xmlns:a16="http://schemas.microsoft.com/office/drawing/2014/main" id="{C9990D0D-07D4-633C-BA1E-E64C461CF4FC}"/>
-            </a:ext>
-          </a:extLst>
-        </p:cNvPr>
-        <p:cNvGrpSpPr/>
-        <p:nvPr/>
-      </p:nvGrpSpPr>
-      <p:grpSpPr>
-        <a:xfrm>
-          <a:off x="0" y="0"/>
-          <a:ext cx="0" cy="0"/>
-          <a:chOff x="0" y="0"/>
-          <a:chExt cx="0" cy="0"/>
-        </a:xfrm>
-      </p:grpSpPr>
-      <p:sp>
-        <p:nvSpPr>
-          <p:cNvPr id="169" name="Google Shape;169;p12:notes">
-            <a:extLst>
-              <a:ext uri="{FF2B5EF4-FFF2-40B4-BE49-F238E27FC236}">
-                <a16:creationId xmlns:a16="http://schemas.microsoft.com/office/drawing/2014/main" id="{0B5659D7-9B35-EC32-A183-C58DAB7C5BCD}"/>
-              </a:ext>
-            </a:extLst>
-          </p:cNvPr>
-          <p:cNvSpPr txBox="1">
-            <a:spLocks noGrp="1"/>
-          </p:cNvSpPr>
-          <p:nvPr>
-            <p:ph type="body" idx="1"/>
-          </p:nvPr>
-        </p:nvSpPr>
-        <p:spPr>
-          <a:xfrm>
-            <a:off x="685800" y="4400550"/>
-            <a:ext cx="5486400" cy="3600450"/>
-          </a:xfrm>
-          <a:prstGeom prst="rect">
-            <a:avLst/>
-          </a:prstGeom>
-        </p:spPr>
-        <p:txBody>
-          <a:bodyPr spcFirstLastPara="1" wrap="square" lIns="91425" tIns="45700" rIns="91425" bIns="45700" anchor="t" anchorCtr="0">
-            <a:noAutofit/>
-          </a:bodyPr>
-          <a:lstStyle/>
-          <a:p>
-            <a:pPr marL="0" lvl="0" indent="0" algn="l" rtl="0">
-              <a:spcBef>
-                <a:spcPts val="0"/>
-              </a:spcBef>
-              <a:spcAft>
-                <a:spcPts val="0"/>
-              </a:spcAft>
-              <a:buNone/>
-            </a:pPr>
-            <a:endParaRPr/>
-          </a:p>
-        </p:txBody>
-      </p:sp>
-      <p:sp>
-        <p:nvSpPr>
-          <p:cNvPr id="170" name="Google Shape;170;p12:notes">
-            <a:extLst>
-              <a:ext uri="{FF2B5EF4-FFF2-40B4-BE49-F238E27FC236}">
-                <a16:creationId xmlns:a16="http://schemas.microsoft.com/office/drawing/2014/main" id="{FB37AE7A-F35C-25B3-4616-C159B0D4B7A3}"/>
-              </a:ext>
-            </a:extLst>
-          </p:cNvPr>
-          <p:cNvSpPr>
-            <a:spLocks noGrp="1" noRot="1" noChangeAspect="1"/>
-          </p:cNvSpPr>
-          <p:nvPr>
-            <p:ph type="sldImg" idx="2"/>
-          </p:nvPr>
-        </p:nvSpPr>
-        <p:spPr>
-          <a:xfrm>
-            <a:off x="685800" y="1143000"/>
-            <a:ext cx="5486400" cy="3086100"/>
-          </a:xfrm>
-          <a:custGeom>
-            <a:avLst/>
-            <a:gdLst/>
-            <a:ahLst/>
-            <a:cxnLst/>
-            <a:rect l="l" t="t" r="r" b="b"/>
-            <a:pathLst>
-              <a:path w="120000" h="120000" extrusionOk="0">
-                <a:moveTo>
-                  <a:pt x="0" y="0"/>
-                </a:moveTo>
-                <a:lnTo>
-                  <a:pt x="120000" y="0"/>
-                </a:lnTo>
-                <a:lnTo>
-                  <a:pt x="120000" y="120000"/>
-                </a:lnTo>
-                <a:lnTo>
-                  <a:pt x="0" y="120000"/>
-                </a:lnTo>
-                <a:close/>
-              </a:path>
-            </a:pathLst>
-          </a:custGeom>
-        </p:spPr>
-      </p:sp>
-    </p:spTree>
-    <p:extLst>
-      <p:ext uri="{BB962C8B-B14F-4D97-AF65-F5344CB8AC3E}">
-        <p14:creationId xmlns:p14="http://schemas.microsoft.com/office/powerpoint/2010/main" val="2358050562"/>
-      </p:ext>
-    </p:extLst>
-  </p:cSld>
-  <p:clrMapOvr>
-    <a:masterClrMapping/>
-  </p:clrMapOvr>
-</p:notes>
-</file>
-
-<file path=ppt/notesSlides/notesSlide5.xml><?xml version="1.0" encoding="utf-8"?>
-<p:notes xmlns:a="http://schemas.openxmlformats.org/drawingml/2006/main" xmlns:r="http://schemas.openxmlformats.org/officeDocument/2006/relationships" xmlns:p="http://schemas.openxmlformats.org/presentationml/2006/main" showMasterSp="0" showMasterPhAnim="0">
-  <p:cSld>
-    <p:spTree>
-      <p:nvGrpSpPr>
-        <p:cNvPr id="1" name="Shape 175"/>
-        <p:cNvGrpSpPr/>
-        <p:nvPr/>
-      </p:nvGrpSpPr>
-      <p:grpSpPr>
-        <a:xfrm>
-          <a:off x="0" y="0"/>
-          <a:ext cx="0" cy="0"/>
-          <a:chOff x="0" y="0"/>
-          <a:chExt cx="0" cy="0"/>
-        </a:xfrm>
-      </p:grpSpPr>
-      <p:sp>
-        <p:nvSpPr>
-          <p:cNvPr id="176" name="Google Shape;176;p13:notes"/>
-          <p:cNvSpPr txBox="1">
-            <a:spLocks noGrp="1"/>
-          </p:cNvSpPr>
-          <p:nvPr>
-            <p:ph type="body" idx="1"/>
-          </p:nvPr>
-        </p:nvSpPr>
-        <p:spPr>
-          <a:xfrm>
-            <a:off x="685800" y="4400550"/>
-            <a:ext cx="5486400" cy="3600450"/>
-          </a:xfrm>
-          <a:prstGeom prst="rect">
-            <a:avLst/>
-          </a:prstGeom>
-        </p:spPr>
-        <p:txBody>
-          <a:bodyPr spcFirstLastPara="1" wrap="square" lIns="91425" tIns="45700" rIns="91425" bIns="45700" anchor="t" anchorCtr="0">
-            <a:noAutofit/>
-          </a:bodyPr>
-          <a:lstStyle/>
-          <a:p>
-            <a:pPr marL="0" lvl="0" indent="0" algn="l" rtl="0">
-              <a:spcBef>
-                <a:spcPts val="0"/>
-              </a:spcBef>
-              <a:spcAft>
-                <a:spcPts val="0"/>
-              </a:spcAft>
-              <a:buNone/>
-            </a:pPr>
-            <a:endParaRPr/>
-          </a:p>
-        </p:txBody>
-      </p:sp>
-      <p:sp>
-        <p:nvSpPr>
-          <p:cNvPr id="177" name="Google Shape;177;p13:notes"/>
-          <p:cNvSpPr>
-            <a:spLocks noGrp="1" noRot="1" noChangeAspect="1"/>
-          </p:cNvSpPr>
-          <p:nvPr>
-            <p:ph type="sldImg" idx="2"/>
-          </p:nvPr>
-        </p:nvSpPr>
-        <p:spPr>
-          <a:xfrm>
-            <a:off x="685800" y="1143000"/>
-            <a:ext cx="5486400" cy="3086100"/>
-          </a:xfrm>
-          <a:custGeom>
-            <a:avLst/>
-            <a:gdLst/>
-            <a:ahLst/>
-            <a:cxnLst/>
-            <a:rect l="l" t="t" r="r" b="b"/>
-            <a:pathLst>
-              <a:path w="120000" h="120000" extrusionOk="0">
-                <a:moveTo>
-                  <a:pt x="0" y="0"/>
-                </a:moveTo>
-                <a:lnTo>
-                  <a:pt x="120000" y="0"/>
-                </a:lnTo>
-                <a:lnTo>
-                  <a:pt x="120000" y="120000"/>
-                </a:lnTo>
-                <a:lnTo>
-                  <a:pt x="0" y="120000"/>
-                </a:lnTo>
-                <a:close/>
-              </a:path>
-            </a:pathLst>
-          </a:custGeom>
-        </p:spPr>
-      </p:sp>
-    </p:spTree>
-  </p:cSld>
-  <p:clrMapOvr>
-    <a:masterClrMapping/>
-  </p:clrMapOvr>
-</p:notes>
-</file>
-
-<file path=ppt/notesSlides/notesSlide6.xml><?xml version="1.0" encoding="utf-8"?>
-<p:notes xmlns:a="http://schemas.openxmlformats.org/drawingml/2006/main" xmlns:r="http://schemas.openxmlformats.org/officeDocument/2006/relationships" xmlns:p="http://schemas.openxmlformats.org/presentationml/2006/main" showMasterSp="0" showMasterPhAnim="0">
-  <p:cSld>
-    <p:spTree>
-      <p:nvGrpSpPr>
         <p:cNvPr id="1" name="Shape 168"/>
         <p:cNvGrpSpPr/>
         <p:nvPr/>
@@ -2130,7 +1897,7 @@
 </p:notes>
 </file>
 
-<file path=ppt/notesSlides/notesSlide7.xml><?xml version="1.0" encoding="utf-8"?>
+<file path=ppt/notesSlides/notesSlide5.xml><?xml version="1.0" encoding="utf-8"?>
 <p:notes xmlns:a="http://schemas.openxmlformats.org/drawingml/2006/main" xmlns:r="http://schemas.openxmlformats.org/officeDocument/2006/relationships" xmlns:p="http://schemas.openxmlformats.org/presentationml/2006/main" showMasterSp="0" showMasterPhAnim="0">
   <p:cSld>
     <p:spTree>
@@ -13725,562 +13492,6 @@
     </p:bg>
     <p:spTree>
       <p:nvGrpSpPr>
-        <p:cNvPr id="1" name="Shape 171">
-          <a:extLst>
-            <a:ext uri="{FF2B5EF4-FFF2-40B4-BE49-F238E27FC236}">
-              <a16:creationId xmlns:a16="http://schemas.microsoft.com/office/drawing/2014/main" id="{ACC6BA71-BDC2-F744-E87E-8E3A7E621859}"/>
-            </a:ext>
-          </a:extLst>
-        </p:cNvPr>
-        <p:cNvGrpSpPr/>
-        <p:nvPr/>
-      </p:nvGrpSpPr>
-      <p:grpSpPr>
-        <a:xfrm>
-          <a:off x="0" y="0"/>
-          <a:ext cx="0" cy="0"/>
-          <a:chOff x="0" y="0"/>
-          <a:chExt cx="0" cy="0"/>
-        </a:xfrm>
-      </p:grpSpPr>
-      <p:sp>
-        <p:nvSpPr>
-          <p:cNvPr id="172" name="Google Shape;172;p12">
-            <a:extLst>
-              <a:ext uri="{FF2B5EF4-FFF2-40B4-BE49-F238E27FC236}">
-                <a16:creationId xmlns:a16="http://schemas.microsoft.com/office/drawing/2014/main" id="{CF6B98AB-3B33-9636-DBBA-DB66DC09A3D7}"/>
-              </a:ext>
-            </a:extLst>
-          </p:cNvPr>
-          <p:cNvSpPr/>
-          <p:nvPr/>
-        </p:nvSpPr>
-        <p:spPr>
-          <a:xfrm>
-            <a:off x="3423628" y="3954050"/>
-            <a:ext cx="5344743" cy="369332"/>
-          </a:xfrm>
-          <a:prstGeom prst="rect">
-            <a:avLst/>
-          </a:prstGeom>
-          <a:noFill/>
-          <a:ln>
-            <a:noFill/>
-          </a:ln>
-        </p:spPr>
-        <p:txBody>
-          <a:bodyPr spcFirstLastPara="1" wrap="square" lIns="91425" tIns="45700" rIns="91425" bIns="45700" anchor="t" anchorCtr="0">
-            <a:spAutoFit/>
-          </a:bodyPr>
-          <a:lstStyle/>
-          <a:p>
-            <a:pPr marL="0" marR="0" lvl="0" indent="0" algn="l" rtl="0">
-              <a:lnSpc>
-                <a:spcPct val="90000"/>
-              </a:lnSpc>
-              <a:spcBef>
-                <a:spcPts val="0"/>
-              </a:spcBef>
-              <a:spcAft>
-                <a:spcPts val="0"/>
-              </a:spcAft>
-              <a:buNone/>
-            </a:pPr>
-            <a:endParaRPr sz="2000">
-              <a:solidFill>
-                <a:schemeClr val="lt1"/>
-              </a:solidFill>
-              <a:latin typeface="Work Sans Medium"/>
-              <a:ea typeface="Work Sans Medium"/>
-              <a:cs typeface="Work Sans Medium"/>
-              <a:sym typeface="Work Sans Medium"/>
-            </a:endParaRPr>
-          </a:p>
-        </p:txBody>
-      </p:sp>
-      <p:sp>
-        <p:nvSpPr>
-          <p:cNvPr id="173" name="Google Shape;173;p12">
-            <a:extLst>
-              <a:ext uri="{FF2B5EF4-FFF2-40B4-BE49-F238E27FC236}">
-                <a16:creationId xmlns:a16="http://schemas.microsoft.com/office/drawing/2014/main" id="{9D4A9DCD-A01A-0DDC-107B-E084F2AD1F7A}"/>
-              </a:ext>
-            </a:extLst>
-          </p:cNvPr>
-          <p:cNvSpPr txBox="1"/>
-          <p:nvPr/>
-        </p:nvSpPr>
-        <p:spPr>
-          <a:xfrm>
-            <a:off x="-534041" y="2623935"/>
-            <a:ext cx="13490187" cy="830997"/>
-          </a:xfrm>
-          <a:prstGeom prst="rect">
-            <a:avLst/>
-          </a:prstGeom>
-          <a:noFill/>
-          <a:ln>
-            <a:noFill/>
-          </a:ln>
-        </p:spPr>
-        <p:txBody>
-          <a:bodyPr spcFirstLastPara="1" wrap="square" lIns="91425" tIns="45700" rIns="91425" bIns="45700" anchor="t" anchorCtr="0">
-            <a:spAutoFit/>
-          </a:bodyPr>
-          <a:lstStyle/>
-          <a:p>
-            <a:pPr marL="0" marR="0" lvl="0" indent="0" algn="ctr" rtl="0">
-              <a:lnSpc>
-                <a:spcPct val="100000"/>
-              </a:lnSpc>
-              <a:spcBef>
-                <a:spcPts val="0"/>
-              </a:spcBef>
-              <a:spcAft>
-                <a:spcPts val="0"/>
-              </a:spcAft>
-              <a:buClr>
-                <a:schemeClr val="lt1"/>
-              </a:buClr>
-              <a:buSzPts val="4800"/>
-              <a:buFont typeface="Work Sans"/>
-              <a:buNone/>
-            </a:pPr>
-            <a:r>
-              <a:rPr lang="es-ES" sz="4800" b="1" u="none" strike="noStrike" cap="none">
-                <a:solidFill>
-                  <a:schemeClr val="lt1"/>
-                </a:solidFill>
-                <a:latin typeface="Work Sans"/>
-                <a:ea typeface="Work Sans"/>
-                <a:cs typeface="Work Sans"/>
-                <a:sym typeface="Work Sans"/>
-              </a:rPr>
-              <a:t>JU</a:t>
-            </a:r>
-            <a:r>
-              <a:rPr lang="es-ES" sz="4800" b="1">
-                <a:solidFill>
-                  <a:schemeClr val="lt1"/>
-                </a:solidFill>
-                <a:latin typeface="Work Sans"/>
-                <a:ea typeface="Work Sans"/>
-                <a:cs typeface="Work Sans"/>
-                <a:sym typeface="Work Sans"/>
-              </a:rPr>
-              <a:t>STIFICACIÓN</a:t>
-            </a:r>
-            <a:endParaRPr sz="4800" b="1" u="none" strike="noStrike" cap="none">
-              <a:solidFill>
-                <a:schemeClr val="lt1"/>
-              </a:solidFill>
-              <a:latin typeface="Work Sans"/>
-              <a:ea typeface="Work Sans"/>
-              <a:cs typeface="Work Sans"/>
-              <a:sym typeface="Work Sans"/>
-            </a:endParaRPr>
-          </a:p>
-        </p:txBody>
-      </p:sp>
-      <p:cxnSp>
-        <p:nvCxnSpPr>
-          <p:cNvPr id="174" name="Google Shape;174;p12">
-            <a:extLst>
-              <a:ext uri="{FF2B5EF4-FFF2-40B4-BE49-F238E27FC236}">
-                <a16:creationId xmlns:a16="http://schemas.microsoft.com/office/drawing/2014/main" id="{2DA791A2-B3C3-B1A4-E500-9C5933572C14}"/>
-              </a:ext>
-            </a:extLst>
-          </p:cNvPr>
-          <p:cNvCxnSpPr/>
-          <p:nvPr/>
-        </p:nvCxnSpPr>
-        <p:spPr>
-          <a:xfrm>
-            <a:off x="5013630" y="3555133"/>
-            <a:ext cx="2247544" cy="0"/>
-          </a:xfrm>
-          <a:prstGeom prst="straightConnector1">
-            <a:avLst/>
-          </a:prstGeom>
-          <a:noFill/>
-          <a:ln w="12700" cap="flat" cmpd="sng">
-            <a:solidFill>
-              <a:schemeClr val="lt1"/>
-            </a:solidFill>
-            <a:prstDash val="solid"/>
-            <a:miter lim="800000"/>
-            <a:headEnd type="none" w="sm" len="sm"/>
-            <a:tailEnd type="none" w="sm" len="sm"/>
-          </a:ln>
-        </p:spPr>
-      </p:cxnSp>
-    </p:spTree>
-    <p:extLst>
-      <p:ext uri="{BB962C8B-B14F-4D97-AF65-F5344CB8AC3E}">
-        <p14:creationId xmlns:p14="http://schemas.microsoft.com/office/powerpoint/2010/main" val="3784907436"/>
-      </p:ext>
-    </p:extLst>
-  </p:cSld>
-  <p:clrMapOvr>
-    <a:masterClrMapping/>
-  </p:clrMapOvr>
-</p:sld>
-</file>
-
-<file path=ppt/slides/slide5.xml><?xml version="1.0" encoding="utf-8"?>
-<p:sld xmlns:a="http://schemas.openxmlformats.org/drawingml/2006/main" xmlns:r="http://schemas.openxmlformats.org/officeDocument/2006/relationships" xmlns:p="http://schemas.openxmlformats.org/presentationml/2006/main">
-  <p:cSld>
-    <p:bg>
-      <p:bgPr>
-        <a:blipFill>
-          <a:blip r:embed="rId3">
-            <a:alphaModFix/>
-          </a:blip>
-          <a:stretch>
-            <a:fillRect/>
-          </a:stretch>
-        </a:blipFill>
-        <a:effectLst/>
-      </p:bgPr>
-    </p:bg>
-    <p:spTree>
-      <p:nvGrpSpPr>
-        <p:cNvPr id="1" name="Shape 178"/>
-        <p:cNvGrpSpPr/>
-        <p:nvPr/>
-      </p:nvGrpSpPr>
-      <p:grpSpPr>
-        <a:xfrm>
-          <a:off x="0" y="0"/>
-          <a:ext cx="0" cy="0"/>
-          <a:chOff x="0" y="0"/>
-          <a:chExt cx="0" cy="0"/>
-        </a:xfrm>
-      </p:grpSpPr>
-      <p:sp>
-        <p:nvSpPr>
-          <p:cNvPr id="179" name="Google Shape;179;p13"/>
-          <p:cNvSpPr txBox="1"/>
-          <p:nvPr/>
-        </p:nvSpPr>
-        <p:spPr>
-          <a:xfrm>
-            <a:off x="-1046727" y="1521060"/>
-            <a:ext cx="8458993" cy="769441"/>
-          </a:xfrm>
-          <a:prstGeom prst="rect">
-            <a:avLst/>
-          </a:prstGeom>
-          <a:noFill/>
-          <a:ln>
-            <a:noFill/>
-          </a:ln>
-        </p:spPr>
-        <p:txBody>
-          <a:bodyPr spcFirstLastPara="1" wrap="square" lIns="91425" tIns="45700" rIns="91425" bIns="45700" anchor="t" anchorCtr="0">
-            <a:spAutoFit/>
-          </a:bodyPr>
-          <a:lstStyle/>
-          <a:p>
-            <a:pPr marL="0" marR="0" lvl="0" indent="0" algn="l" rtl="0">
-              <a:spcBef>
-                <a:spcPts val="0"/>
-              </a:spcBef>
-              <a:spcAft>
-                <a:spcPts val="0"/>
-              </a:spcAft>
-              <a:buNone/>
-            </a:pPr>
-            <a:r>
-              <a:rPr lang="es-ES" sz="4400" b="1">
-                <a:solidFill>
-                  <a:srgbClr val="38AA00"/>
-                </a:solidFill>
-                <a:latin typeface="Work Sans"/>
-                <a:ea typeface="Work Sans"/>
-                <a:cs typeface="Work Sans"/>
-                <a:sym typeface="Work Sans"/>
-              </a:rPr>
-              <a:t>		</a:t>
-            </a:r>
-            <a:r>
-              <a:rPr lang="es-ES" sz="4000" b="1">
-                <a:solidFill>
-                  <a:srgbClr val="38AA00"/>
-                </a:solidFill>
-                <a:latin typeface="Work Sans"/>
-                <a:ea typeface="Work Sans"/>
-                <a:cs typeface="Work Sans"/>
-                <a:sym typeface="Work Sans"/>
-              </a:rPr>
-              <a:t>Justificación</a:t>
-            </a:r>
-            <a:endParaRPr sz="4000" b="1">
-              <a:solidFill>
-                <a:srgbClr val="38AA00"/>
-              </a:solidFill>
-              <a:latin typeface="Times New Roman"/>
-              <a:ea typeface="Times New Roman"/>
-              <a:cs typeface="Times New Roman"/>
-              <a:sym typeface="Times New Roman"/>
-            </a:endParaRPr>
-          </a:p>
-        </p:txBody>
-      </p:sp>
-      <p:cxnSp>
-        <p:nvCxnSpPr>
-          <p:cNvPr id="180" name="Google Shape;180;p13"/>
-          <p:cNvCxnSpPr/>
-          <p:nvPr/>
-        </p:nvCxnSpPr>
-        <p:spPr>
-          <a:xfrm>
-            <a:off x="935225" y="2290501"/>
-            <a:ext cx="2247544" cy="0"/>
-          </a:xfrm>
-          <a:prstGeom prst="straightConnector1">
-            <a:avLst/>
-          </a:prstGeom>
-          <a:noFill/>
-          <a:ln w="12700" cap="flat" cmpd="sng">
-            <a:solidFill>
-              <a:srgbClr val="38AA00"/>
-            </a:solidFill>
-            <a:prstDash val="solid"/>
-            <a:miter lim="800000"/>
-            <a:headEnd type="none" w="sm" len="sm"/>
-            <a:tailEnd type="none" w="sm" len="sm"/>
-          </a:ln>
-        </p:spPr>
-      </p:cxnSp>
-      <p:sp>
-        <p:nvSpPr>
-          <p:cNvPr id="181" name="Google Shape;181;p13"/>
-          <p:cNvSpPr txBox="1"/>
-          <p:nvPr/>
-        </p:nvSpPr>
-        <p:spPr>
-          <a:xfrm>
-            <a:off x="780679" y="2967335"/>
-            <a:ext cx="9903854" cy="2031325"/>
-          </a:xfrm>
-          <a:prstGeom prst="rect">
-            <a:avLst/>
-          </a:prstGeom>
-          <a:noFill/>
-          <a:ln>
-            <a:noFill/>
-          </a:ln>
-        </p:spPr>
-        <p:txBody>
-          <a:bodyPr spcFirstLastPara="1" wrap="square" lIns="91425" tIns="45700" rIns="91425" bIns="45700" anchor="t" anchorCtr="0">
-            <a:spAutoFit/>
-          </a:bodyPr>
-          <a:lstStyle/>
-          <a:p>
-            <a:pPr marL="0" marR="0" lvl="0" indent="0" algn="l" rtl="0">
-              <a:spcBef>
-                <a:spcPts val="0"/>
-              </a:spcBef>
-              <a:spcAft>
-                <a:spcPts val="0"/>
-              </a:spcAft>
-              <a:buNone/>
-            </a:pPr>
-            <a:r>
-              <a:rPr lang="es-ES" sz="1800" dirty="0">
-                <a:solidFill>
-                  <a:schemeClr val="dk1"/>
-                </a:solidFill>
-                <a:latin typeface="Calibri"/>
-                <a:ea typeface="Calibri"/>
-                <a:cs typeface="Calibri"/>
-                <a:sym typeface="Calibri"/>
-              </a:rPr>
-              <a:t>Para el logro de sus objetivos misionales y mejorar el rendimiento en la</a:t>
-            </a:r>
-            <a:endParaRPr dirty="0"/>
-          </a:p>
-          <a:p>
-            <a:pPr marL="0" marR="0" lvl="0" indent="0" algn="l" rtl="0">
-              <a:spcBef>
-                <a:spcPts val="0"/>
-              </a:spcBef>
-              <a:spcAft>
-                <a:spcPts val="0"/>
-              </a:spcAft>
-              <a:buNone/>
-            </a:pPr>
-            <a:r>
-              <a:rPr lang="es-ES" sz="1800" dirty="0">
-                <a:solidFill>
-                  <a:schemeClr val="dk1"/>
-                </a:solidFill>
-                <a:latin typeface="Calibri"/>
-                <a:ea typeface="Calibri"/>
-                <a:cs typeface="Calibri"/>
-                <a:sym typeface="Calibri"/>
-              </a:rPr>
-              <a:t>calidad y prestación de los servicios que brinda Master Barber es necesario </a:t>
-            </a:r>
-            <a:endParaRPr dirty="0"/>
-          </a:p>
-          <a:p>
-            <a:pPr marL="0" marR="0" lvl="0" indent="0" algn="l" rtl="0">
-              <a:spcBef>
-                <a:spcPts val="0"/>
-              </a:spcBef>
-              <a:spcAft>
-                <a:spcPts val="0"/>
-              </a:spcAft>
-              <a:buNone/>
-            </a:pPr>
-            <a:r>
-              <a:rPr lang="es-ES" sz="1800" dirty="0">
-                <a:solidFill>
-                  <a:schemeClr val="dk1"/>
-                </a:solidFill>
-                <a:latin typeface="Calibri"/>
-                <a:ea typeface="Calibri"/>
-                <a:cs typeface="Calibri"/>
-                <a:sym typeface="Calibri"/>
-              </a:rPr>
-              <a:t>construir un sistema de información que de solución a las reservas de turnos</a:t>
-            </a:r>
-            <a:endParaRPr dirty="0"/>
-          </a:p>
-          <a:p>
-            <a:pPr marL="0" marR="0" lvl="0" indent="0" algn="l" rtl="0">
-              <a:spcBef>
-                <a:spcPts val="0"/>
-              </a:spcBef>
-              <a:spcAft>
-                <a:spcPts val="0"/>
-              </a:spcAft>
-              <a:buNone/>
-            </a:pPr>
-            <a:r>
-              <a:rPr lang="es-ES" sz="1800" dirty="0">
-                <a:solidFill>
-                  <a:schemeClr val="dk1"/>
-                </a:solidFill>
-                <a:latin typeface="Calibri"/>
-                <a:ea typeface="Calibri"/>
-                <a:cs typeface="Calibri"/>
-                <a:sym typeface="Calibri"/>
-              </a:rPr>
-              <a:t>y de a conocer los productos que están a la venta, esto genera un gran</a:t>
-            </a:r>
-            <a:endParaRPr dirty="0"/>
-          </a:p>
-          <a:p>
-            <a:pPr marL="0" marR="0" lvl="0" indent="0" algn="l" rtl="0">
-              <a:spcBef>
-                <a:spcPts val="0"/>
-              </a:spcBef>
-              <a:spcAft>
-                <a:spcPts val="0"/>
-              </a:spcAft>
-              <a:buNone/>
-            </a:pPr>
-            <a:r>
-              <a:rPr lang="es-ES" sz="1800" dirty="0">
-                <a:solidFill>
-                  <a:schemeClr val="dk1"/>
-                </a:solidFill>
-                <a:latin typeface="Calibri"/>
-                <a:ea typeface="Calibri"/>
-                <a:cs typeface="Calibri"/>
-                <a:sym typeface="Calibri"/>
-              </a:rPr>
-              <a:t>beneficio para la Barberia en cuanto su reconocimiento y mejoras en sus funciones.</a:t>
-            </a:r>
-            <a:endParaRPr dirty="0"/>
-          </a:p>
-          <a:p>
-            <a:pPr marL="0" marR="0" lvl="0" indent="0" algn="l" rtl="0">
-              <a:spcBef>
-                <a:spcPts val="0"/>
-              </a:spcBef>
-              <a:spcAft>
-                <a:spcPts val="0"/>
-              </a:spcAft>
-              <a:buNone/>
-            </a:pPr>
-            <a:r>
-              <a:rPr lang="es-ES" sz="1800" dirty="0">
-                <a:solidFill>
-                  <a:schemeClr val="dk1"/>
-                </a:solidFill>
-                <a:latin typeface="Calibri"/>
-                <a:ea typeface="Calibri"/>
-                <a:cs typeface="Calibri"/>
-                <a:sym typeface="Calibri"/>
-              </a:rPr>
-              <a:t>Los clientes al contar con un sistema de información realizaran reservas y compras</a:t>
-            </a:r>
-            <a:endParaRPr dirty="0"/>
-          </a:p>
-          <a:p>
-            <a:pPr marL="0" marR="0" lvl="0" indent="0" algn="l" rtl="0">
-              <a:spcBef>
-                <a:spcPts val="0"/>
-              </a:spcBef>
-              <a:spcAft>
-                <a:spcPts val="0"/>
-              </a:spcAft>
-              <a:buNone/>
-            </a:pPr>
-            <a:r>
-              <a:rPr lang="es-ES" sz="1800" dirty="0">
-                <a:solidFill>
-                  <a:schemeClr val="dk1"/>
-                </a:solidFill>
-                <a:latin typeface="Calibri"/>
-                <a:ea typeface="Calibri"/>
-                <a:cs typeface="Calibri"/>
-                <a:sym typeface="Calibri"/>
-              </a:rPr>
-              <a:t>Mas seguras y eficaces.  </a:t>
-            </a:r>
-            <a:endParaRPr sz="1800" dirty="0">
-              <a:solidFill>
-                <a:schemeClr val="dk1"/>
-              </a:solidFill>
-              <a:latin typeface="Calibri"/>
-              <a:ea typeface="Calibri"/>
-              <a:cs typeface="Calibri"/>
-              <a:sym typeface="Calibri"/>
-            </a:endParaRPr>
-          </a:p>
-        </p:txBody>
-      </p:sp>
-    </p:spTree>
-  </p:cSld>
-  <p:clrMapOvr>
-    <a:masterClrMapping/>
-  </p:clrMapOvr>
-</p:sld>
-</file>
-
-<file path=ppt/slides/slide6.xml><?xml version="1.0" encoding="utf-8"?>
-<p:sld xmlns:a="http://schemas.openxmlformats.org/drawingml/2006/main" xmlns:r="http://schemas.openxmlformats.org/officeDocument/2006/relationships" xmlns:p="http://schemas.openxmlformats.org/presentationml/2006/main">
-  <p:cSld>
-    <p:bg>
-      <p:bgPr>
-        <a:blipFill>
-          <a:blip r:embed="rId3">
-            <a:alphaModFix/>
-          </a:blip>
-          <a:stretch>
-            <a:fillRect/>
-          </a:stretch>
-        </a:blipFill>
-        <a:effectLst/>
-      </p:bgPr>
-    </p:bg>
-    <p:spTree>
-      <p:nvGrpSpPr>
         <p:cNvPr id="1" name="Shape 171"/>
         <p:cNvGrpSpPr/>
         <p:nvPr/>
@@ -14442,7 +13653,7 @@
 </p:sld>
 </file>
 
-<file path=ppt/slides/slide7.xml><?xml version="1.0" encoding="utf-8"?>
+<file path=ppt/slides/slide5.xml><?xml version="1.0" encoding="utf-8"?>
 <p:sld xmlns:a="http://schemas.openxmlformats.org/drawingml/2006/main" xmlns:r="http://schemas.openxmlformats.org/officeDocument/2006/relationships" xmlns:p="http://schemas.openxmlformats.org/presentationml/2006/main">
   <p:cSld>
     <p:bg>
